--- a/Documentation/Project_presentation_1.pptx
+++ b/Documentation/Project_presentation_1.pptx
@@ -9,12 +9,11 @@
     <p:sldId id="265" r:id="rId3"/>
     <p:sldId id="257" r:id="rId4"/>
     <p:sldId id="258" r:id="rId5"/>
-    <p:sldId id="260" r:id="rId6"/>
-    <p:sldId id="259" r:id="rId7"/>
-    <p:sldId id="261" r:id="rId8"/>
-    <p:sldId id="262" r:id="rId9"/>
-    <p:sldId id="264" r:id="rId10"/>
-    <p:sldId id="263" r:id="rId11"/>
+    <p:sldId id="259" r:id="rId6"/>
+    <p:sldId id="261" r:id="rId7"/>
+    <p:sldId id="262" r:id="rId8"/>
+    <p:sldId id="264" r:id="rId9"/>
+    <p:sldId id="263" r:id="rId10"/>
   </p:sldIdLst>
   <p:sldSz cx="12192000" cy="6858000"/>
   <p:notesSz cx="6858000" cy="9144000"/>
@@ -122,7 +121,6 @@
             <p14:sldId id="265"/>
             <p14:sldId id="257"/>
             <p14:sldId id="258"/>
-            <p14:sldId id="260"/>
             <p14:sldId id="259"/>
             <p14:sldId id="261"/>
             <p14:sldId id="262"/>
@@ -307,7 +305,7 @@
           <a:p>
             <a:fld id="{589E13CF-7112-470E-B406-823E1FCD4DF0}" type="datetimeFigureOut">
               <a:rPr lang="pl-PL" smtClean="0"/>
-              <a:t>21.10.2018</a:t>
+              <a:t>22.10.2018</a:t>
             </a:fld>
             <a:endParaRPr lang="pl-PL"/>
           </a:p>
@@ -535,7 +533,7 @@
           <a:p>
             <a:fld id="{589E13CF-7112-470E-B406-823E1FCD4DF0}" type="datetimeFigureOut">
               <a:rPr lang="pl-PL" smtClean="0"/>
-              <a:t>21.10.2018</a:t>
+              <a:t>22.10.2018</a:t>
             </a:fld>
             <a:endParaRPr lang="pl-PL"/>
           </a:p>
@@ -715,7 +713,7 @@
           <a:p>
             <a:fld id="{589E13CF-7112-470E-B406-823E1FCD4DF0}" type="datetimeFigureOut">
               <a:rPr lang="pl-PL" smtClean="0"/>
-              <a:t>21.10.2018</a:t>
+              <a:t>22.10.2018</a:t>
             </a:fld>
             <a:endParaRPr lang="pl-PL"/>
           </a:p>
@@ -885,7 +883,7 @@
           <a:p>
             <a:fld id="{589E13CF-7112-470E-B406-823E1FCD4DF0}" type="datetimeFigureOut">
               <a:rPr lang="pl-PL" smtClean="0"/>
-              <a:t>21.10.2018</a:t>
+              <a:t>22.10.2018</a:t>
             </a:fld>
             <a:endParaRPr lang="pl-PL"/>
           </a:p>
@@ -1139,7 +1137,7 @@
           <a:p>
             <a:fld id="{589E13CF-7112-470E-B406-823E1FCD4DF0}" type="datetimeFigureOut">
               <a:rPr lang="pl-PL" smtClean="0"/>
-              <a:t>21.10.2018</a:t>
+              <a:t>22.10.2018</a:t>
             </a:fld>
             <a:endParaRPr lang="pl-PL"/>
           </a:p>
@@ -1465,7 +1463,7 @@
           <a:p>
             <a:fld id="{589E13CF-7112-470E-B406-823E1FCD4DF0}" type="datetimeFigureOut">
               <a:rPr lang="pl-PL" smtClean="0"/>
-              <a:t>21.10.2018</a:t>
+              <a:t>22.10.2018</a:t>
             </a:fld>
             <a:endParaRPr lang="pl-PL"/>
           </a:p>
@@ -1916,7 +1914,7 @@
           <a:p>
             <a:fld id="{589E13CF-7112-470E-B406-823E1FCD4DF0}" type="datetimeFigureOut">
               <a:rPr lang="pl-PL" smtClean="0"/>
-              <a:t>21.10.2018</a:t>
+              <a:t>22.10.2018</a:t>
             </a:fld>
             <a:endParaRPr lang="pl-PL"/>
           </a:p>
@@ -2034,7 +2032,7 @@
           <a:p>
             <a:fld id="{589E13CF-7112-470E-B406-823E1FCD4DF0}" type="datetimeFigureOut">
               <a:rPr lang="pl-PL" smtClean="0"/>
-              <a:t>21.10.2018</a:t>
+              <a:t>22.10.2018</a:t>
             </a:fld>
             <a:endParaRPr lang="pl-PL"/>
           </a:p>
@@ -2129,7 +2127,7 @@
           <a:p>
             <a:fld id="{589E13CF-7112-470E-B406-823E1FCD4DF0}" type="datetimeFigureOut">
               <a:rPr lang="pl-PL" smtClean="0"/>
-              <a:t>21.10.2018</a:t>
+              <a:t>22.10.2018</a:t>
             </a:fld>
             <a:endParaRPr lang="pl-PL"/>
           </a:p>
@@ -2416,7 +2414,7 @@
           <a:p>
             <a:fld id="{589E13CF-7112-470E-B406-823E1FCD4DF0}" type="datetimeFigureOut">
               <a:rPr lang="pl-PL" smtClean="0"/>
-              <a:t>21.10.2018</a:t>
+              <a:t>22.10.2018</a:t>
             </a:fld>
             <a:endParaRPr lang="pl-PL"/>
           </a:p>
@@ -2741,7 +2739,7 @@
           <a:p>
             <a:fld id="{589E13CF-7112-470E-B406-823E1FCD4DF0}" type="datetimeFigureOut">
               <a:rPr lang="pl-PL" smtClean="0"/>
-              <a:t>21.10.2018</a:t>
+              <a:t>22.10.2018</a:t>
             </a:fld>
             <a:endParaRPr lang="pl-PL"/>
           </a:p>
@@ -2995,7 +2993,7 @@
           <a:p>
             <a:fld id="{589E13CF-7112-470E-B406-823E1FCD4DF0}" type="datetimeFigureOut">
               <a:rPr lang="pl-PL" smtClean="0"/>
-              <a:t>21.10.2018</a:t>
+              <a:t>22.10.2018</a:t>
             </a:fld>
             <a:endParaRPr lang="pl-PL"/>
           </a:p>
@@ -3566,69 +3564,6 @@
 </p:sld>
 </file>
 
-<file path=ppt/slides/slide10.xml><?xml version="1.0" encoding="utf-8"?>
-<p:sld xmlns:a="http://schemas.openxmlformats.org/drawingml/2006/main" xmlns:r="http://schemas.openxmlformats.org/officeDocument/2006/relationships" xmlns:p="http://schemas.openxmlformats.org/presentationml/2006/main">
-  <p:cSld>
-    <p:spTree>
-      <p:nvGrpSpPr>
-        <p:cNvPr id="1" name=""/>
-        <p:cNvGrpSpPr/>
-        <p:nvPr/>
-      </p:nvGrpSpPr>
-      <p:grpSpPr>
-        <a:xfrm>
-          <a:off x="0" y="0"/>
-          <a:ext cx="0" cy="0"/>
-          <a:chOff x="0" y="0"/>
-          <a:chExt cx="0" cy="0"/>
-        </a:xfrm>
-      </p:grpSpPr>
-      <p:sp>
-        <p:nvSpPr>
-          <p:cNvPr id="2" name="Tytuł 1">
-            <a:extLst>
-              <a:ext uri="{FF2B5EF4-FFF2-40B4-BE49-F238E27FC236}">
-                <a16:creationId xmlns:a16="http://schemas.microsoft.com/office/drawing/2014/main" id="{27CEBFD6-A1B5-4E0D-854E-D3B53D77D970}"/>
-              </a:ext>
-            </a:extLst>
-          </p:cNvPr>
-          <p:cNvSpPr>
-            <a:spLocks noGrp="1"/>
-          </p:cNvSpPr>
-          <p:nvPr>
-            <p:ph type="title"/>
-          </p:nvPr>
-        </p:nvSpPr>
-        <p:spPr>
-          <a:xfrm>
-            <a:off x="1249680" y="1338883"/>
-            <a:ext cx="9692640" cy="1325562"/>
-          </a:xfrm>
-        </p:spPr>
-        <p:txBody>
-          <a:bodyPr/>
-          <a:lstStyle/>
-          <a:p>
-            <a:r>
-              <a:rPr lang="pl-PL" dirty="0"/>
-              <a:t>Dziękuje za uwagę</a:t>
-            </a:r>
-          </a:p>
-        </p:txBody>
-      </p:sp>
-    </p:spTree>
-    <p:extLst>
-      <p:ext uri="{BB962C8B-B14F-4D97-AF65-F5344CB8AC3E}">
-        <p14:creationId xmlns:p14="http://schemas.microsoft.com/office/powerpoint/2010/main" val="3448848493"/>
-      </p:ext>
-    </p:extLst>
-  </p:cSld>
-  <p:clrMapOvr>
-    <a:masterClrMapping/>
-  </p:clrMapOvr>
-</p:sld>
-</file>
-
 <file path=ppt/slides/slide2.xml><?xml version="1.0" encoding="utf-8"?>
 <p:sld xmlns:a="http://schemas.openxmlformats.org/drawingml/2006/main" xmlns:r="http://schemas.openxmlformats.org/officeDocument/2006/relationships" xmlns:p="http://schemas.openxmlformats.org/presentationml/2006/main">
   <p:cSld>
@@ -4066,72 +4001,46 @@
           <a:chExt cx="0" cy="0"/>
         </a:xfrm>
       </p:grpSpPr>
-      <p:sp>
-        <p:nvSpPr>
-          <p:cNvPr id="2" name="Tytuł 1">
+      <p:pic>
+        <p:nvPicPr>
+          <p:cNvPr id="3" name="Obraz 2">
             <a:extLst>
               <a:ext uri="{FF2B5EF4-FFF2-40B4-BE49-F238E27FC236}">
-                <a16:creationId xmlns:a16="http://schemas.microsoft.com/office/drawing/2014/main" id="{BF410D71-363D-4C25-A041-F12FC6C2FBA5}"/>
+                <a16:creationId xmlns:a16="http://schemas.microsoft.com/office/drawing/2014/main" id="{BC65F35C-EE22-4DFA-800D-16B50375FAE8}"/>
               </a:ext>
             </a:extLst>
           </p:cNvPr>
-          <p:cNvSpPr>
-            <a:spLocks noGrp="1"/>
-          </p:cNvSpPr>
-          <p:nvPr>
-            <p:ph type="title"/>
-          </p:nvPr>
-        </p:nvSpPr>
-        <p:spPr/>
-        <p:txBody>
-          <a:bodyPr/>
-          <a:lstStyle/>
-          <a:p>
-            <a:r>
-              <a:rPr lang="pl-PL" dirty="0"/>
-              <a:t>Zaplanowanie bazy danych</a:t>
-            </a:r>
-          </a:p>
-        </p:txBody>
-      </p:sp>
-      <p:sp>
-        <p:nvSpPr>
-          <p:cNvPr id="3" name="Symbol zastępczy zawartości 2">
+          <p:cNvPicPr>
+            <a:picLocks noChangeAspect="1"/>
+          </p:cNvPicPr>
+          <p:nvPr/>
+        </p:nvPicPr>
+        <p:blipFill>
+          <a:blip r:embed="rId2">
             <a:extLst>
-              <a:ext uri="{FF2B5EF4-FFF2-40B4-BE49-F238E27FC236}">
-                <a16:creationId xmlns:a16="http://schemas.microsoft.com/office/drawing/2014/main" id="{3B43E6AD-D3DB-4C34-8486-88CFC2CE718B}"/>
+              <a:ext uri="{28A0092B-C50C-407E-A947-70E740481C1C}">
+                <a14:useLocalDpi xmlns:a14="http://schemas.microsoft.com/office/drawing/2010/main" val="0"/>
               </a:ext>
             </a:extLst>
-          </p:cNvPr>
-          <p:cNvSpPr>
-            <a:spLocks noGrp="1"/>
-          </p:cNvSpPr>
-          <p:nvPr>
-            <p:ph idx="1"/>
-          </p:nvPr>
-        </p:nvSpPr>
-        <p:spPr/>
-        <p:txBody>
-          <a:bodyPr/>
-          <a:lstStyle/>
-          <a:p>
-            <a:r>
-              <a:rPr lang="pl-PL" dirty="0"/>
-              <a:t>Udało się zaprojektować bazę danych</a:t>
-            </a:r>
-          </a:p>
-          <a:p>
-            <a:r>
-              <a:rPr lang="pl-PL" dirty="0"/>
-              <a:t>Nie są przewidywane większe zmiany w obecnym wyglądzie bazy danych</a:t>
-            </a:r>
-          </a:p>
-        </p:txBody>
-      </p:sp>
+          </a:blip>
+          <a:stretch>
+            <a:fillRect/>
+          </a:stretch>
+        </p:blipFill>
+        <p:spPr>
+          <a:xfrm>
+            <a:off x="1125075" y="0"/>
+            <a:ext cx="9941849" cy="6858000"/>
+          </a:xfrm>
+          <a:prstGeom prst="rect">
+            <a:avLst/>
+          </a:prstGeom>
+        </p:spPr>
+      </p:pic>
     </p:spTree>
     <p:extLst>
       <p:ext uri="{BB962C8B-B14F-4D97-AF65-F5344CB8AC3E}">
-        <p14:creationId xmlns:p14="http://schemas.microsoft.com/office/powerpoint/2010/main" val="1146699226"/>
+        <p14:creationId xmlns:p14="http://schemas.microsoft.com/office/powerpoint/2010/main" val="2929820837"/>
       </p:ext>
     </p:extLst>
   </p:cSld>
@@ -4158,46 +4067,92 @@
           <a:chExt cx="0" cy="0"/>
         </a:xfrm>
       </p:grpSpPr>
-      <p:pic>
-        <p:nvPicPr>
-          <p:cNvPr id="7" name="Obraz 6">
+      <p:sp>
+        <p:nvSpPr>
+          <p:cNvPr id="2" name="Tytuł 1">
             <a:extLst>
               <a:ext uri="{FF2B5EF4-FFF2-40B4-BE49-F238E27FC236}">
-                <a16:creationId xmlns:a16="http://schemas.microsoft.com/office/drawing/2014/main" id="{831A1F17-3CED-47DD-8C72-725C4EB7794C}"/>
+                <a16:creationId xmlns:a16="http://schemas.microsoft.com/office/drawing/2014/main" id="{B9B17A03-C7C0-4526-B1D4-7B30D09839EE}"/>
               </a:ext>
             </a:extLst>
           </p:cNvPr>
-          <p:cNvPicPr>
-            <a:picLocks noChangeAspect="1"/>
-          </p:cNvPicPr>
-          <p:nvPr/>
-        </p:nvPicPr>
-        <p:blipFill>
-          <a:blip r:embed="rId2">
+          <p:cNvSpPr>
+            <a:spLocks noGrp="1"/>
+          </p:cNvSpPr>
+          <p:nvPr>
+            <p:ph type="title"/>
+          </p:nvPr>
+        </p:nvSpPr>
+        <p:spPr/>
+        <p:txBody>
+          <a:bodyPr/>
+          <a:lstStyle/>
+          <a:p>
+            <a:r>
+              <a:rPr lang="pl-PL" dirty="0"/>
+              <a:t>Wybór technologii</a:t>
+            </a:r>
+          </a:p>
+        </p:txBody>
+      </p:sp>
+      <p:sp>
+        <p:nvSpPr>
+          <p:cNvPr id="3" name="Symbol zastępczy zawartości 2">
             <a:extLst>
-              <a:ext uri="{28A0092B-C50C-407E-A947-70E740481C1C}">
-                <a14:useLocalDpi xmlns:a14="http://schemas.microsoft.com/office/drawing/2010/main" val="0"/>
+              <a:ext uri="{FF2B5EF4-FFF2-40B4-BE49-F238E27FC236}">
+                <a16:creationId xmlns:a16="http://schemas.microsoft.com/office/drawing/2014/main" id="{4958AD9A-5AD9-46B9-912D-2AF2B20EB8C5}"/>
               </a:ext>
             </a:extLst>
-          </a:blip>
-          <a:stretch>
-            <a:fillRect/>
-          </a:stretch>
-        </p:blipFill>
-        <p:spPr>
-          <a:xfrm>
-            <a:off x="1221036" y="0"/>
-            <a:ext cx="9749928" cy="6858000"/>
-          </a:xfrm>
-          <a:prstGeom prst="rect">
-            <a:avLst/>
-          </a:prstGeom>
-        </p:spPr>
-      </p:pic>
+          </p:cNvPr>
+          <p:cNvSpPr>
+            <a:spLocks noGrp="1"/>
+          </p:cNvSpPr>
+          <p:nvPr>
+            <p:ph idx="1"/>
+          </p:nvPr>
+        </p:nvSpPr>
+        <p:spPr/>
+        <p:txBody>
+          <a:bodyPr/>
+          <a:lstStyle/>
+          <a:p>
+            <a:r>
+              <a:rPr lang="pl-PL" dirty="0" err="1"/>
+              <a:t>Backend</a:t>
+            </a:r>
+            <a:r>
+              <a:rPr lang="pl-PL" dirty="0"/>
+              <a:t> – aplikacja będzie budowana na wzór modelu MVC, napisana w całości w języku PHP, baza danych pisana w MySQL</a:t>
+            </a:r>
+          </a:p>
+          <a:p>
+            <a:r>
+              <a:rPr lang="pl-PL" dirty="0" err="1"/>
+              <a:t>Frontend</a:t>
+            </a:r>
+            <a:r>
+              <a:rPr lang="pl-PL" dirty="0"/>
+              <a:t> – HTML, CSS, </a:t>
+            </a:r>
+            <a:r>
+              <a:rPr lang="pl-PL" dirty="0" err="1"/>
+              <a:t>jQuery</a:t>
+            </a:r>
+            <a:r>
+              <a:rPr lang="pl-PL" dirty="0"/>
+              <a:t> oraz React.js</a:t>
+            </a:r>
+          </a:p>
+          <a:p>
+            <a:pPr lvl="2"/>
+            <a:endParaRPr lang="pl-PL" dirty="0"/>
+          </a:p>
+        </p:txBody>
+      </p:sp>
     </p:spTree>
     <p:extLst>
       <p:ext uri="{BB962C8B-B14F-4D97-AF65-F5344CB8AC3E}">
-        <p14:creationId xmlns:p14="http://schemas.microsoft.com/office/powerpoint/2010/main" val="2929820837"/>
+        <p14:creationId xmlns:p14="http://schemas.microsoft.com/office/powerpoint/2010/main" val="3200367773"/>
       </p:ext>
     </p:extLst>
   </p:cSld>
@@ -4229,7 +4184,7 @@
           <p:cNvPr id="2" name="Tytuł 1">
             <a:extLst>
               <a:ext uri="{FF2B5EF4-FFF2-40B4-BE49-F238E27FC236}">
-                <a16:creationId xmlns:a16="http://schemas.microsoft.com/office/drawing/2014/main" id="{B9B17A03-C7C0-4526-B1D4-7B30D09839EE}"/>
+                <a16:creationId xmlns:a16="http://schemas.microsoft.com/office/drawing/2014/main" id="{D9911B45-A58B-420B-A40C-57077D72D64B}"/>
               </a:ext>
             </a:extLst>
           </p:cNvPr>
@@ -4247,7 +4202,7 @@
           <a:p>
             <a:r>
               <a:rPr lang="pl-PL" dirty="0"/>
-              <a:t>Wybór technologii</a:t>
+              <a:t>Rozplanowanie pracy w czasie</a:t>
             </a:r>
           </a:p>
         </p:txBody>
@@ -4257,7 +4212,7 @@
           <p:cNvPr id="3" name="Symbol zastępczy zawartości 2">
             <a:extLst>
               <a:ext uri="{FF2B5EF4-FFF2-40B4-BE49-F238E27FC236}">
-                <a16:creationId xmlns:a16="http://schemas.microsoft.com/office/drawing/2014/main" id="{4958AD9A-5AD9-46B9-912D-2AF2B20EB8C5}"/>
+                <a16:creationId xmlns:a16="http://schemas.microsoft.com/office/drawing/2014/main" id="{861B423F-9178-4AD9-93FA-659EF37696CC}"/>
               </a:ext>
             </a:extLst>
           </p:cNvPr>
@@ -4270,46 +4225,92 @@
         </p:nvSpPr>
         <p:spPr/>
         <p:txBody>
-          <a:bodyPr/>
-          <a:lstStyle/>
-          <a:p>
-            <a:r>
-              <a:rPr lang="pl-PL" dirty="0" err="1"/>
-              <a:t>Backend</a:t>
-            </a:r>
-            <a:r>
-              <a:rPr lang="pl-PL" dirty="0"/>
-              <a:t> – aplikacja będzie budowana na wzór modelu MVC, napisana w całości w języku PHP, baza danych pisana w MySQL</a:t>
-            </a:r>
-          </a:p>
-          <a:p>
-            <a:r>
-              <a:rPr lang="pl-PL" dirty="0" err="1"/>
-              <a:t>Frontend</a:t>
-            </a:r>
-            <a:r>
-              <a:rPr lang="pl-PL" dirty="0"/>
-              <a:t> – HTML, CSS, </a:t>
-            </a:r>
-            <a:r>
-              <a:rPr lang="pl-PL" dirty="0" err="1"/>
-              <a:t>jQuery</a:t>
-            </a:r>
-            <a:r>
-              <a:rPr lang="pl-PL" dirty="0"/>
-              <a:t> oraz React.js</a:t>
-            </a:r>
-          </a:p>
-          <a:p>
-            <a:pPr lvl="2"/>
-            <a:endParaRPr lang="pl-PL" dirty="0"/>
+          <a:bodyPr>
+            <a:normAutofit/>
+          </a:bodyPr>
+          <a:lstStyle/>
+          <a:p>
+            <a:r>
+              <a:rPr lang="pl-PL" dirty="0"/>
+              <a:t>Główne kamienie milowe projektu:</a:t>
+            </a:r>
+          </a:p>
+          <a:p>
+            <a:pPr marL="342900" indent="-342900">
+              <a:buFont typeface="+mj-lt"/>
+              <a:buAutoNum type="arabicPeriod"/>
+            </a:pPr>
+            <a:r>
+              <a:rPr lang="pl-PL" dirty="0"/>
+              <a:t>Stworzenie dokumentu projektowego (zrealizowano)</a:t>
+            </a:r>
+          </a:p>
+          <a:p>
+            <a:pPr marL="342900" indent="-342900">
+              <a:buFont typeface="+mj-lt"/>
+              <a:buAutoNum type="arabicPeriod"/>
+            </a:pPr>
+            <a:r>
+              <a:rPr lang="pl-PL" dirty="0"/>
+              <a:t>Zaprojektowanie bazy danych (zrealizowano)</a:t>
+            </a:r>
+          </a:p>
+          <a:p>
+            <a:pPr marL="342900" indent="-342900">
+              <a:buFont typeface="+mj-lt"/>
+              <a:buAutoNum type="arabicPeriod"/>
+            </a:pPr>
+            <a:r>
+              <a:rPr lang="pl-PL" dirty="0"/>
+              <a:t>Stworzenie kontrolera bazy danych odpowiedzialnego za wszystkie operacje na bazie </a:t>
+            </a:r>
+          </a:p>
+          <a:p>
+            <a:pPr marL="342900" indent="-342900">
+              <a:buFont typeface="+mj-lt"/>
+              <a:buAutoNum type="arabicPeriod"/>
+            </a:pPr>
+            <a:r>
+              <a:rPr lang="pl-PL" dirty="0"/>
+              <a:t>Zbudowanie prostego jądra, w którym wprowadzona zostanie hierarchia plików oraz obsługa requestów</a:t>
+            </a:r>
+          </a:p>
+          <a:p>
+            <a:pPr marL="342900" indent="-342900">
+              <a:buFont typeface="+mj-lt"/>
+              <a:buAutoNum type="arabicPeriod"/>
+            </a:pPr>
+            <a:r>
+              <a:rPr lang="pl-PL" dirty="0"/>
+              <a:t>Zabudowanie właściwej funkcjonalności serwisu</a:t>
+            </a:r>
+          </a:p>
+          <a:p>
+            <a:pPr marL="342900" indent="-342900">
+              <a:buFont typeface="+mj-lt"/>
+              <a:buAutoNum type="arabicPeriod"/>
+            </a:pPr>
+            <a:r>
+              <a:rPr lang="pl-PL" dirty="0"/>
+              <a:t>Zbudowanie szaty graficznej serwisu</a:t>
+            </a:r>
+          </a:p>
+          <a:p>
+            <a:pPr marL="342900" indent="-342900">
+              <a:buFont typeface="+mj-lt"/>
+              <a:buAutoNum type="arabicPeriod"/>
+            </a:pPr>
+            <a:r>
+              <a:rPr lang="pl-PL" dirty="0"/>
+              <a:t>Testy</a:t>
+            </a:r>
           </a:p>
         </p:txBody>
       </p:sp>
     </p:spTree>
     <p:extLst>
       <p:ext uri="{BB962C8B-B14F-4D97-AF65-F5344CB8AC3E}">
-        <p14:creationId xmlns:p14="http://schemas.microsoft.com/office/powerpoint/2010/main" val="3200367773"/>
+        <p14:creationId xmlns:p14="http://schemas.microsoft.com/office/powerpoint/2010/main" val="1993048898"/>
       </p:ext>
     </p:extLst>
   </p:cSld>
@@ -4341,7 +4342,7 @@
           <p:cNvPr id="2" name="Tytuł 1">
             <a:extLst>
               <a:ext uri="{FF2B5EF4-FFF2-40B4-BE49-F238E27FC236}">
-                <a16:creationId xmlns:a16="http://schemas.microsoft.com/office/drawing/2014/main" id="{D9911B45-A58B-420B-A40C-57077D72D64B}"/>
+                <a16:creationId xmlns:a16="http://schemas.microsoft.com/office/drawing/2014/main" id="{E145F7F5-0A0F-4162-9886-283445A63C58}"/>
               </a:ext>
             </a:extLst>
           </p:cNvPr>
@@ -4359,7 +4360,7 @@
           <a:p>
             <a:r>
               <a:rPr lang="pl-PL" dirty="0"/>
-              <a:t>Rozplanowanie pracy w czasie</a:t>
+              <a:t>Obecny stan prac</a:t>
             </a:r>
           </a:p>
         </p:txBody>
@@ -4369,7 +4370,7 @@
           <p:cNvPr id="3" name="Symbol zastępczy zawartości 2">
             <a:extLst>
               <a:ext uri="{FF2B5EF4-FFF2-40B4-BE49-F238E27FC236}">
-                <a16:creationId xmlns:a16="http://schemas.microsoft.com/office/drawing/2014/main" id="{861B423F-9178-4AD9-93FA-659EF37696CC}"/>
+                <a16:creationId xmlns:a16="http://schemas.microsoft.com/office/drawing/2014/main" id="{E9786E2F-E8AE-4AB8-A47F-858E87010C19}"/>
               </a:ext>
             </a:extLst>
           </p:cNvPr>
@@ -4382,96 +4383,98 @@
         </p:nvSpPr>
         <p:spPr/>
         <p:txBody>
-          <a:bodyPr>
-            <a:normAutofit lnSpcReduction="10000"/>
-          </a:bodyPr>
-          <a:lstStyle/>
-          <a:p>
-            <a:r>
-              <a:rPr lang="pl-PL"/>
-              <a:t>Główne kamienie </a:t>
-            </a:r>
-            <a:r>
-              <a:rPr lang="pl-PL" dirty="0"/>
-              <a:t>milowe projektu:</a:t>
-            </a:r>
-          </a:p>
-          <a:p>
-            <a:pPr marL="342900" indent="-342900">
-              <a:buFont typeface="+mj-lt"/>
-              <a:buAutoNum type="arabicPeriod"/>
-            </a:pPr>
-            <a:r>
-              <a:rPr lang="pl-PL" dirty="0"/>
-              <a:t>Stworzenie dokumentu projektowego (zrealizowano)</a:t>
-            </a:r>
-          </a:p>
-          <a:p>
-            <a:pPr marL="342900" indent="-342900">
-              <a:buFont typeface="+mj-lt"/>
-              <a:buAutoNum type="arabicPeriod"/>
-            </a:pPr>
-            <a:r>
-              <a:rPr lang="pl-PL" dirty="0"/>
-              <a:t>Zaprojektowanie bazy danych (zrealizowano)</a:t>
-            </a:r>
-          </a:p>
-          <a:p>
-            <a:pPr marL="342900" indent="-342900">
-              <a:buFont typeface="+mj-lt"/>
-              <a:buAutoNum type="arabicPeriod"/>
-            </a:pPr>
-            <a:r>
-              <a:rPr lang="pl-PL" dirty="0"/>
-              <a:t>Stworzenie kontrolera bazy danych odpowiedzialnego za wszystkie operacje na bazie (stworzono skrypt generujący oraz uzupełniający bazę danych przykładowymi danymi)</a:t>
-            </a:r>
-          </a:p>
-          <a:p>
-            <a:pPr marL="342900" indent="-342900">
-              <a:buFont typeface="+mj-lt"/>
-              <a:buAutoNum type="arabicPeriod"/>
-            </a:pPr>
-            <a:r>
-              <a:rPr lang="pl-PL" dirty="0"/>
-              <a:t>Zbudowanie prostego jądra, w którym wprowadzona zostanie hierarchia plików oraz obsługa requestów</a:t>
-            </a:r>
-          </a:p>
-          <a:p>
-            <a:pPr marL="342900" indent="-342900">
-              <a:buFont typeface="+mj-lt"/>
-              <a:buAutoNum type="arabicPeriod"/>
-            </a:pPr>
-            <a:r>
-              <a:rPr lang="pl-PL" dirty="0"/>
-              <a:t>Zabudowanie właściwej funkcjonalności serwisu</a:t>
-            </a:r>
-          </a:p>
-          <a:p>
-            <a:pPr marL="342900" indent="-342900">
-              <a:buFont typeface="+mj-lt"/>
-              <a:buAutoNum type="arabicPeriod"/>
-            </a:pPr>
-            <a:r>
-              <a:rPr lang="pl-PL" dirty="0"/>
-              <a:t>Zbudowanie szaty graficznej serwisu</a:t>
-            </a:r>
-          </a:p>
-          <a:p>
-            <a:pPr marL="342900" indent="-342900">
-              <a:buFont typeface="+mj-lt"/>
-              <a:buAutoNum type="arabicPeriod"/>
-            </a:pPr>
-            <a:r>
-              <a:rPr lang="pl-PL" dirty="0"/>
-              <a:t>Testy</a:t>
-            </a:r>
+          <a:bodyPr/>
+          <a:lstStyle/>
+          <a:p>
+            <a:r>
+              <a:rPr lang="pl-PL" dirty="0"/>
+              <a:t>Tworzone są skrypty bazodanowe:</a:t>
+            </a:r>
+          </a:p>
+          <a:p>
+            <a:pPr lvl="1"/>
+            <a:r>
+              <a:rPr lang="pl-PL" dirty="0"/>
+              <a:t>Skrypt tworzący bazę danych wraz z odpowiednimi tabelami oraz powiązaniami (zrobione)</a:t>
+            </a:r>
+          </a:p>
+          <a:p>
+            <a:pPr lvl="1"/>
+            <a:r>
+              <a:rPr lang="pl-PL" dirty="0"/>
+              <a:t>Skrypt wypełniający bazę danych przykładowymi danymi (zrobione)</a:t>
+            </a:r>
+          </a:p>
+          <a:p>
+            <a:r>
+              <a:rPr lang="pl-PL" dirty="0"/>
+              <a:t>Tworzone są procedury bazodanowe odpowiedzialne za:</a:t>
+            </a:r>
+          </a:p>
+          <a:p>
+            <a:pPr lvl="1"/>
+            <a:r>
+              <a:rPr lang="pl-PL" dirty="0"/>
+              <a:t>Rejestracje użytkownika</a:t>
+            </a:r>
+          </a:p>
+          <a:p>
+            <a:pPr lvl="1"/>
+            <a:r>
+              <a:rPr lang="pl-PL" dirty="0"/>
+              <a:t>Logowanie użytkownika</a:t>
+            </a:r>
+          </a:p>
+          <a:p>
+            <a:pPr lvl="1"/>
+            <a:r>
+              <a:rPr lang="pl-PL" dirty="0"/>
+              <a:t>Zmianę hasła oraz danych użytkownika</a:t>
+            </a:r>
+          </a:p>
+          <a:p>
+            <a:pPr lvl="1"/>
+            <a:r>
+              <a:rPr lang="pl-PL" dirty="0"/>
+              <a:t>Wyświetlanie artykułów</a:t>
+            </a:r>
+          </a:p>
+          <a:p>
+            <a:pPr lvl="1"/>
+            <a:r>
+              <a:rPr lang="pl-PL" dirty="0"/>
+              <a:t>Tworzenie oraz edycję artykułów</a:t>
+            </a:r>
+          </a:p>
+          <a:p>
+            <a:pPr lvl="1"/>
+            <a:r>
+              <a:rPr lang="pl-PL" dirty="0"/>
+              <a:t>Tworzenie oraz edycję eventów</a:t>
+            </a:r>
+          </a:p>
+          <a:p>
+            <a:pPr lvl="1"/>
+            <a:r>
+              <a:rPr lang="pl-PL" dirty="0"/>
+              <a:t>Obsługę głosowań, toplist oraz </a:t>
+            </a:r>
+            <a:r>
+              <a:rPr lang="pl-PL" dirty="0" err="1"/>
+              <a:t>playlist</a:t>
+            </a:r>
+            <a:endParaRPr lang="pl-PL" dirty="0"/>
+          </a:p>
+          <a:p>
+            <a:pPr lvl="1"/>
+            <a:endParaRPr lang="pl-PL" dirty="0"/>
           </a:p>
         </p:txBody>
       </p:sp>
     </p:spTree>
     <p:extLst>
       <p:ext uri="{BB962C8B-B14F-4D97-AF65-F5344CB8AC3E}">
-        <p14:creationId xmlns:p14="http://schemas.microsoft.com/office/powerpoint/2010/main" val="1993048898"/>
+        <p14:creationId xmlns:p14="http://schemas.microsoft.com/office/powerpoint/2010/main" val="765629401"/>
       </p:ext>
     </p:extLst>
   </p:cSld>
@@ -4503,7 +4506,7 @@
           <p:cNvPr id="2" name="Tytuł 1">
             <a:extLst>
               <a:ext uri="{FF2B5EF4-FFF2-40B4-BE49-F238E27FC236}">
-                <a16:creationId xmlns:a16="http://schemas.microsoft.com/office/drawing/2014/main" id="{E145F7F5-0A0F-4162-9886-283445A63C58}"/>
+                <a16:creationId xmlns:a16="http://schemas.microsoft.com/office/drawing/2014/main" id="{27CEBFD6-A1B5-4E0D-854E-D3B53D77D970}"/>
               </a:ext>
             </a:extLst>
           </p:cNvPr>
@@ -4514,54 +4517,27 @@
             <p:ph type="title"/>
           </p:nvPr>
         </p:nvSpPr>
-        <p:spPr/>
-        <p:txBody>
-          <a:bodyPr/>
-          <a:lstStyle/>
-          <a:p>
-            <a:r>
-              <a:rPr lang="pl-PL" dirty="0"/>
-              <a:t>Obecny stan prac</a:t>
-            </a:r>
-          </a:p>
-        </p:txBody>
-      </p:sp>
-      <p:sp>
-        <p:nvSpPr>
-          <p:cNvPr id="3" name="Symbol zastępczy zawartości 2">
-            <a:extLst>
-              <a:ext uri="{FF2B5EF4-FFF2-40B4-BE49-F238E27FC236}">
-                <a16:creationId xmlns:a16="http://schemas.microsoft.com/office/drawing/2014/main" id="{E9786E2F-E8AE-4AB8-A47F-858E87010C19}"/>
-              </a:ext>
-            </a:extLst>
-          </p:cNvPr>
-          <p:cNvSpPr>
-            <a:spLocks noGrp="1"/>
-          </p:cNvSpPr>
-          <p:nvPr>
-            <p:ph idx="1"/>
-          </p:nvPr>
-        </p:nvSpPr>
-        <p:spPr/>
-        <p:txBody>
-          <a:bodyPr/>
-          <a:lstStyle/>
-          <a:p>
-            <a:r>
-              <a:rPr lang="pl-PL" dirty="0"/>
-              <a:t>Tworzone są polecenia bazodanowe:</a:t>
-            </a:r>
-          </a:p>
-          <a:p>
-            <a:pPr lvl="1"/>
-            <a:endParaRPr lang="pl-PL" dirty="0"/>
+        <p:spPr>
+          <a:xfrm>
+            <a:off x="1249680" y="1338883"/>
+            <a:ext cx="9692640" cy="1325562"/>
+          </a:xfrm>
+        </p:spPr>
+        <p:txBody>
+          <a:bodyPr/>
+          <a:lstStyle/>
+          <a:p>
+            <a:r>
+              <a:rPr lang="pl-PL" dirty="0"/>
+              <a:t>Dziękuje za uwagę</a:t>
+            </a:r>
           </a:p>
         </p:txBody>
       </p:sp>
     </p:spTree>
     <p:extLst>
       <p:ext uri="{BB962C8B-B14F-4D97-AF65-F5344CB8AC3E}">
-        <p14:creationId xmlns:p14="http://schemas.microsoft.com/office/powerpoint/2010/main" val="765629401"/>
+        <p14:creationId xmlns:p14="http://schemas.microsoft.com/office/powerpoint/2010/main" val="3448848493"/>
       </p:ext>
     </p:extLst>
   </p:cSld>

--- a/Documentation/Project_presentation_1.pptx
+++ b/Documentation/Project_presentation_1.pptx
@@ -305,7 +305,7 @@
           <a:p>
             <a:fld id="{589E13CF-7112-470E-B406-823E1FCD4DF0}" type="datetimeFigureOut">
               <a:rPr lang="pl-PL" smtClean="0"/>
-              <a:t>22.10.2018</a:t>
+              <a:t>24.10.2018</a:t>
             </a:fld>
             <a:endParaRPr lang="pl-PL"/>
           </a:p>
@@ -533,7 +533,7 @@
           <a:p>
             <a:fld id="{589E13CF-7112-470E-B406-823E1FCD4DF0}" type="datetimeFigureOut">
               <a:rPr lang="pl-PL" smtClean="0"/>
-              <a:t>22.10.2018</a:t>
+              <a:t>24.10.2018</a:t>
             </a:fld>
             <a:endParaRPr lang="pl-PL"/>
           </a:p>
@@ -713,7 +713,7 @@
           <a:p>
             <a:fld id="{589E13CF-7112-470E-B406-823E1FCD4DF0}" type="datetimeFigureOut">
               <a:rPr lang="pl-PL" smtClean="0"/>
-              <a:t>22.10.2018</a:t>
+              <a:t>24.10.2018</a:t>
             </a:fld>
             <a:endParaRPr lang="pl-PL"/>
           </a:p>
@@ -883,7 +883,7 @@
           <a:p>
             <a:fld id="{589E13CF-7112-470E-B406-823E1FCD4DF0}" type="datetimeFigureOut">
               <a:rPr lang="pl-PL" smtClean="0"/>
-              <a:t>22.10.2018</a:t>
+              <a:t>24.10.2018</a:t>
             </a:fld>
             <a:endParaRPr lang="pl-PL"/>
           </a:p>
@@ -1137,7 +1137,7 @@
           <a:p>
             <a:fld id="{589E13CF-7112-470E-B406-823E1FCD4DF0}" type="datetimeFigureOut">
               <a:rPr lang="pl-PL" smtClean="0"/>
-              <a:t>22.10.2018</a:t>
+              <a:t>24.10.2018</a:t>
             </a:fld>
             <a:endParaRPr lang="pl-PL"/>
           </a:p>
@@ -1463,7 +1463,7 @@
           <a:p>
             <a:fld id="{589E13CF-7112-470E-B406-823E1FCD4DF0}" type="datetimeFigureOut">
               <a:rPr lang="pl-PL" smtClean="0"/>
-              <a:t>22.10.2018</a:t>
+              <a:t>24.10.2018</a:t>
             </a:fld>
             <a:endParaRPr lang="pl-PL"/>
           </a:p>
@@ -1914,7 +1914,7 @@
           <a:p>
             <a:fld id="{589E13CF-7112-470E-B406-823E1FCD4DF0}" type="datetimeFigureOut">
               <a:rPr lang="pl-PL" smtClean="0"/>
-              <a:t>22.10.2018</a:t>
+              <a:t>24.10.2018</a:t>
             </a:fld>
             <a:endParaRPr lang="pl-PL"/>
           </a:p>
@@ -2032,7 +2032,7 @@
           <a:p>
             <a:fld id="{589E13CF-7112-470E-B406-823E1FCD4DF0}" type="datetimeFigureOut">
               <a:rPr lang="pl-PL" smtClean="0"/>
-              <a:t>22.10.2018</a:t>
+              <a:t>24.10.2018</a:t>
             </a:fld>
             <a:endParaRPr lang="pl-PL"/>
           </a:p>
@@ -2127,7 +2127,7 @@
           <a:p>
             <a:fld id="{589E13CF-7112-470E-B406-823E1FCD4DF0}" type="datetimeFigureOut">
               <a:rPr lang="pl-PL" smtClean="0"/>
-              <a:t>22.10.2018</a:t>
+              <a:t>24.10.2018</a:t>
             </a:fld>
             <a:endParaRPr lang="pl-PL"/>
           </a:p>
@@ -2414,7 +2414,7 @@
           <a:p>
             <a:fld id="{589E13CF-7112-470E-B406-823E1FCD4DF0}" type="datetimeFigureOut">
               <a:rPr lang="pl-PL" smtClean="0"/>
-              <a:t>22.10.2018</a:t>
+              <a:t>24.10.2018</a:t>
             </a:fld>
             <a:endParaRPr lang="pl-PL"/>
           </a:p>
@@ -2739,7 +2739,7 @@
           <a:p>
             <a:fld id="{589E13CF-7112-470E-B406-823E1FCD4DF0}" type="datetimeFigureOut">
               <a:rPr lang="pl-PL" smtClean="0"/>
-              <a:t>22.10.2018</a:t>
+              <a:t>24.10.2018</a:t>
             </a:fld>
             <a:endParaRPr lang="pl-PL"/>
           </a:p>
@@ -2993,7 +2993,7 @@
           <a:p>
             <a:fld id="{589E13CF-7112-470E-B406-823E1FCD4DF0}" type="datetimeFigureOut">
               <a:rPr lang="pl-PL" smtClean="0"/>
-              <a:t>22.10.2018</a:t>
+              <a:t>24.10.2018</a:t>
             </a:fld>
             <a:endParaRPr lang="pl-PL"/>
           </a:p>
@@ -4408,66 +4408,8 @@
           <a:p>
             <a:r>
               <a:rPr lang="pl-PL" dirty="0"/>
-              <a:t>Tworzone są procedury bazodanowe odpowiedzialne za:</a:t>
-            </a:r>
-          </a:p>
-          <a:p>
-            <a:pPr lvl="1"/>
-            <a:r>
-              <a:rPr lang="pl-PL" dirty="0"/>
-              <a:t>Rejestracje użytkownika</a:t>
-            </a:r>
-          </a:p>
-          <a:p>
-            <a:pPr lvl="1"/>
-            <a:r>
-              <a:rPr lang="pl-PL" dirty="0"/>
-              <a:t>Logowanie użytkownika</a:t>
-            </a:r>
-          </a:p>
-          <a:p>
-            <a:pPr lvl="1"/>
-            <a:r>
-              <a:rPr lang="pl-PL" dirty="0"/>
-              <a:t>Zmianę hasła oraz danych użytkownika</a:t>
-            </a:r>
-          </a:p>
-          <a:p>
-            <a:pPr lvl="1"/>
-            <a:r>
-              <a:rPr lang="pl-PL" dirty="0"/>
-              <a:t>Wyświetlanie artykułów</a:t>
-            </a:r>
-          </a:p>
-          <a:p>
-            <a:pPr lvl="1"/>
-            <a:r>
-              <a:rPr lang="pl-PL" dirty="0"/>
-              <a:t>Tworzenie oraz edycję artykułów</a:t>
-            </a:r>
-          </a:p>
-          <a:p>
-            <a:pPr lvl="1"/>
-            <a:r>
-              <a:rPr lang="pl-PL" dirty="0"/>
-              <a:t>Tworzenie oraz edycję eventów</a:t>
-            </a:r>
-          </a:p>
-          <a:p>
-            <a:pPr lvl="1"/>
-            <a:r>
-              <a:rPr lang="pl-PL" dirty="0"/>
-              <a:t>Obsługę głosowań, toplist oraz </a:t>
-            </a:r>
-            <a:r>
-              <a:rPr lang="pl-PL" dirty="0" err="1"/>
-              <a:t>playlist</a:t>
-            </a:r>
-            <a:endParaRPr lang="pl-PL" dirty="0"/>
-          </a:p>
-          <a:p>
-            <a:pPr lvl="1"/>
-            <a:endParaRPr lang="pl-PL" dirty="0"/>
+              <a:t>Tworzone są procedury bazodanowe operujące na każdej tablicy bazy danych.</a:t>
+            </a:r>
           </a:p>
         </p:txBody>
       </p:sp>
